--- a/Presentation/App Architecture.pptx
+++ b/Presentation/App Architecture.pptx
@@ -104,6 +104,11 @@
       </a:defRPr>
     </a:lvl9pPr>
   </p:defaultTextStyle>
+  <p:extLst>
+    <p:ext uri="{EFAFB233-063F-42B5-8137-9DF3F51BA10A}">
+      <p15:sldGuideLst xmlns:p15="http://schemas.microsoft.com/office/powerpoint/2012/main"/>
+    </p:ext>
+  </p:extLst>
 </p:presentation>
 </file>
 
@@ -238,7 +243,7 @@
           <a:p>
             <a:fld id="{14378858-5B56-4128-A666-D4896B16D4FA}" type="datetimeFigureOut">
               <a:rPr lang="en-US" smtClean="0"/>
-              <a:t>6/9/2022</a:t>
+              <a:t>6/21/2022</a:t>
             </a:fld>
             <a:endParaRPr lang="en-US" dirty="0"/>
           </a:p>
@@ -408,7 +413,7 @@
           <a:p>
             <a:fld id="{14378858-5B56-4128-A666-D4896B16D4FA}" type="datetimeFigureOut">
               <a:rPr lang="en-US" smtClean="0"/>
-              <a:t>6/9/2022</a:t>
+              <a:t>6/21/2022</a:t>
             </a:fld>
             <a:endParaRPr lang="en-US" dirty="0"/>
           </a:p>
@@ -588,7 +593,7 @@
           <a:p>
             <a:fld id="{14378858-5B56-4128-A666-D4896B16D4FA}" type="datetimeFigureOut">
               <a:rPr lang="en-US" smtClean="0"/>
-              <a:t>6/9/2022</a:t>
+              <a:t>6/21/2022</a:t>
             </a:fld>
             <a:endParaRPr lang="en-US" dirty="0"/>
           </a:p>
@@ -758,7 +763,7 @@
           <a:p>
             <a:fld id="{14378858-5B56-4128-A666-D4896B16D4FA}" type="datetimeFigureOut">
               <a:rPr lang="en-US" smtClean="0"/>
-              <a:t>6/9/2022</a:t>
+              <a:t>6/21/2022</a:t>
             </a:fld>
             <a:endParaRPr lang="en-US" dirty="0"/>
           </a:p>
@@ -1004,7 +1009,7 @@
           <a:p>
             <a:fld id="{14378858-5B56-4128-A666-D4896B16D4FA}" type="datetimeFigureOut">
               <a:rPr lang="en-US" smtClean="0"/>
-              <a:t>6/9/2022</a:t>
+              <a:t>6/21/2022</a:t>
             </a:fld>
             <a:endParaRPr lang="en-US" dirty="0"/>
           </a:p>
@@ -1236,7 +1241,7 @@
           <a:p>
             <a:fld id="{14378858-5B56-4128-A666-D4896B16D4FA}" type="datetimeFigureOut">
               <a:rPr lang="en-US" smtClean="0"/>
-              <a:t>6/9/2022</a:t>
+              <a:t>6/21/2022</a:t>
             </a:fld>
             <a:endParaRPr lang="en-US" dirty="0"/>
           </a:p>
@@ -1603,7 +1608,7 @@
           <a:p>
             <a:fld id="{14378858-5B56-4128-A666-D4896B16D4FA}" type="datetimeFigureOut">
               <a:rPr lang="en-US" smtClean="0"/>
-              <a:t>6/9/2022</a:t>
+              <a:t>6/21/2022</a:t>
             </a:fld>
             <a:endParaRPr lang="en-US" dirty="0"/>
           </a:p>
@@ -1721,7 +1726,7 @@
           <a:p>
             <a:fld id="{14378858-5B56-4128-A666-D4896B16D4FA}" type="datetimeFigureOut">
               <a:rPr lang="en-US" smtClean="0"/>
-              <a:t>6/9/2022</a:t>
+              <a:t>6/21/2022</a:t>
             </a:fld>
             <a:endParaRPr lang="en-US" dirty="0"/>
           </a:p>
@@ -1816,7 +1821,7 @@
           <a:p>
             <a:fld id="{14378858-5B56-4128-A666-D4896B16D4FA}" type="datetimeFigureOut">
               <a:rPr lang="en-US" smtClean="0"/>
-              <a:t>6/9/2022</a:t>
+              <a:t>6/21/2022</a:t>
             </a:fld>
             <a:endParaRPr lang="en-US" dirty="0"/>
           </a:p>
@@ -2093,7 +2098,7 @@
           <a:p>
             <a:fld id="{14378858-5B56-4128-A666-D4896B16D4FA}" type="datetimeFigureOut">
               <a:rPr lang="en-US" smtClean="0"/>
-              <a:t>6/9/2022</a:t>
+              <a:t>6/21/2022</a:t>
             </a:fld>
             <a:endParaRPr lang="en-US" dirty="0"/>
           </a:p>
@@ -2346,7 +2351,7 @@
           <a:p>
             <a:fld id="{14378858-5B56-4128-A666-D4896B16D4FA}" type="datetimeFigureOut">
               <a:rPr lang="en-US" smtClean="0"/>
-              <a:t>6/9/2022</a:t>
+              <a:t>6/21/2022</a:t>
             </a:fld>
             <a:endParaRPr lang="en-US" dirty="0"/>
           </a:p>
@@ -2559,7 +2564,7 @@
           <a:p>
             <a:fld id="{14378858-5B56-4128-A666-D4896B16D4FA}" type="datetimeFigureOut">
               <a:rPr lang="en-US" smtClean="0"/>
-              <a:t>6/9/2022</a:t>
+              <a:t>6/21/2022</a:t>
             </a:fld>
             <a:endParaRPr lang="en-US" dirty="0"/>
           </a:p>
@@ -3410,7 +3415,31 @@
                   <a:schemeClr val="tx1"/>
                 </a:solidFill>
               </a:rPr>
-              <a:t>[Forecast plot]</a:t>
+              <a:t>[</a:t>
+            </a:r>
+            <a:r>
+              <a:rPr lang="de-DE" sz="1200" dirty="0" smtClean="0">
+                <a:solidFill>
+                  <a:schemeClr val="tx1"/>
+                </a:solidFill>
+              </a:rPr>
+              <a:t>forecast</a:t>
+            </a:r>
+            <a:r>
+              <a:rPr lang="de-DE" sz="1200" dirty="0" smtClean="0">
+                <a:solidFill>
+                  <a:schemeClr val="tx1"/>
+                </a:solidFill>
+              </a:rPr>
+              <a:t> </a:t>
+            </a:r>
+            <a:r>
+              <a:rPr lang="de-DE" sz="1200" dirty="0" smtClean="0">
+                <a:solidFill>
+                  <a:schemeClr val="tx1"/>
+                </a:solidFill>
+              </a:rPr>
+              <a:t>plot]</a:t>
             </a:r>
           </a:p>
           <a:p>
@@ -3593,11 +3622,6 @@
               </a:rPr>
               <a:t>def get_open_data_elia_df()</a:t>
             </a:r>
-            <a:endParaRPr lang="de-DE" sz="1050" i="1" dirty="0" smtClean="0">
-              <a:solidFill>
-                <a:schemeClr val="tx1"/>
-              </a:solidFill>
-            </a:endParaRPr>
           </a:p>
         </p:txBody>
       </p:sp>
@@ -3829,11 +3853,6 @@
               </a:rPr>
               <a:t>def run_forecast_univariate()</a:t>
             </a:r>
-            <a:endParaRPr lang="de-DE" sz="1000" i="1" dirty="0" smtClean="0">
-              <a:solidFill>
-                <a:schemeClr val="tx1"/>
-              </a:solidFill>
-            </a:endParaRPr>
           </a:p>
         </p:txBody>
       </p:sp>
@@ -3898,7 +3917,7 @@
         </p:nvSpPr>
         <p:spPr>
           <a:xfrm>
-            <a:off x="4549835" y="5219180"/>
+            <a:off x="4549835" y="5204894"/>
             <a:ext cx="1751212" cy="274320"/>
           </a:xfrm>
           <a:prstGeom prst="rect">
@@ -3940,11 +3959,6 @@
               </a:rPr>
               <a:t>def run_forecast_multivariate()</a:t>
             </a:r>
-            <a:endParaRPr lang="de-DE" sz="900" i="1" dirty="0" smtClean="0">
-              <a:solidFill>
-                <a:schemeClr val="tx1"/>
-              </a:solidFill>
-            </a:endParaRPr>
           </a:p>
         </p:txBody>
       </p:sp>
@@ -3956,7 +3970,7 @@
         </p:nvSpPr>
         <p:spPr>
           <a:xfrm>
-            <a:off x="4549835" y="4933705"/>
+            <a:off x="4549835" y="4928943"/>
             <a:ext cx="1751212" cy="274320"/>
           </a:xfrm>
           <a:prstGeom prst="rect">
@@ -3991,12 +4005,28 @@
           <a:p>
             <a:pPr algn="ctr"/>
             <a:r>
+              <a:rPr lang="de-DE" sz="900" i="1" dirty="0">
+                <a:solidFill>
+                  <a:schemeClr val="tx1"/>
+                </a:solidFill>
+              </a:rPr>
+              <a:t>def </a:t>
+            </a:r>
+            <a:r>
               <a:rPr lang="de-DE" sz="900" i="1" dirty="0" smtClean="0">
                 <a:solidFill>
                   <a:schemeClr val="tx1"/>
                 </a:solidFill>
               </a:rPr>
-              <a:t>def run_forecast_multivariate()</a:t>
+              <a:t>prepare_data_for_mv_fc</a:t>
+            </a:r>
+            <a:r>
+              <a:rPr lang="de-DE" sz="900" i="1" dirty="0" smtClean="0">
+                <a:solidFill>
+                  <a:schemeClr val="tx1"/>
+                </a:solidFill>
+              </a:rPr>
+              <a:t>()</a:t>
             </a:r>
             <a:endParaRPr lang="de-DE" sz="900" i="1" dirty="0" smtClean="0">
               <a:solidFill>
